--- a/ML Poster.pptx
+++ b/ML Poster.pptx
@@ -2275,7 +2275,12 @@
             <p:ph type="body" sz="quarter" idx="20"/>
           </p:nvPr>
         </p:nvSpPr>
-        <p:spPr/>
+        <p:spPr>
+          <a:xfrm>
+            <a:off x="32918400" y="29032200"/>
+            <a:ext cx="10058400" cy="2971800"/>
+          </a:xfrm>
+        </p:spPr>
         <p:txBody>
           <a:bodyPr tIns="91440" bIns="274320" anchor="b" anchorCtr="0">
             <a:normAutofit/>
@@ -2284,21 +2289,12 @@
           <a:p>
             <a:pPr algn="ctr"/>
             <a:r>
-              <a:rPr lang="en-US" sz="6000" dirty="0" err="1"/>
-              <a:t>nwmostate</a:t>
-            </a:r>
-            <a:r>
-              <a:rPr lang="en-US" sz="6000" dirty="0"/>
-              <a:t>/</a:t>
-            </a:r>
-            <a:r>
-              <a:rPr lang="en-US" sz="6000" dirty="0" err="1"/>
-              <a:t>csis</a:t>
-            </a:r>
-            <a:r>
-              <a:rPr lang="en-US" sz="6000" dirty="0"/>
-              <a:t>-poster-templates</a:t>
-            </a:r>
+              <a:rPr lang="en-US" sz="3600" dirty="0">
+                <a:hlinkClick r:id="rId4"/>
+              </a:rPr>
+              <a:t>https://github.com/prakashreddy-97/ML_Poster.git</a:t>
+            </a:r>
+            <a:endParaRPr lang="en-US" sz="3600" dirty="0"/>
           </a:p>
         </p:txBody>
       </p:sp>
@@ -2476,7 +2472,7 @@
           <p:nvPr/>
         </p:nvPicPr>
         <p:blipFill>
-          <a:blip r:embed="rId4">
+          <a:blip r:embed="rId5">
             <a:extLst>
               <a:ext uri="{28A0092B-C50C-407E-A947-70E740481C1C}">
                 <a14:useLocalDpi xmlns:a14="http://schemas.microsoft.com/office/drawing/2010/main" val="0"/>
@@ -2775,7 +2771,7 @@
           <p:nvPr/>
         </p:nvPicPr>
         <p:blipFill>
-          <a:blip r:embed="rId5">
+          <a:blip r:embed="rId6">
             <a:extLst>
               <a:ext uri="{28A0092B-C50C-407E-A947-70E740481C1C}">
                 <a14:useLocalDpi xmlns:a14="http://schemas.microsoft.com/office/drawing/2010/main" val="0"/>
@@ -2813,7 +2809,7 @@
           </p:nvPr>
         </p:nvPicPr>
         <p:blipFill>
-          <a:blip r:embed="rId6">
+          <a:blip r:embed="rId7">
             <a:extLst>
               <a:ext uri="{28A0092B-C50C-407E-A947-70E740481C1C}">
                 <a14:useLocalDpi xmlns:a14="http://schemas.microsoft.com/office/drawing/2010/main" val="0"/>
@@ -2846,7 +2842,7 @@
           <p:nvPr/>
         </p:nvPicPr>
         <p:blipFill>
-          <a:blip r:embed="rId7">
+          <a:blip r:embed="rId8">
             <a:extLst>
               <a:ext uri="{28A0092B-C50C-407E-A947-70E740481C1C}">
                 <a14:useLocalDpi xmlns:a14="http://schemas.microsoft.com/office/drawing/2010/main" val="0"/>
